--- a/slides/C66 CorePac Overview.pptx
+++ b/slides/C66 CorePac Overview.pptx
@@ -287,7 +287,7 @@
               <a:pPr>
                 <a:defRPr/>
               </a:pPr>
-              <a:t>2/21/2013</a:t>
+              <a:t>3/11/2013</a:t>
             </a:fld>
             <a:endParaRPr lang="en-US" dirty="0"/>
           </a:p>
@@ -1837,7 +1837,7 @@
             <a:fld id="{92581241-622C-4796-B8B9-62EF4BF9D987}" type="datetimeFigureOut">
               <a:rPr lang="en-US" smtClean="0"/>
               <a:pPr/>
-              <a:t>2/21/2013</a:t>
+              <a:t>3/11/2013</a:t>
             </a:fld>
             <a:endParaRPr lang="en-US" dirty="0"/>
           </a:p>
@@ -2630,8 +2630,8 @@
         </p:nvSpPr>
         <p:spPr>
           <a:xfrm>
-            <a:off x="609600" y="609600"/>
-            <a:ext cx="7772400" cy="3154680"/>
+            <a:off x="609600" y="914400"/>
+            <a:ext cx="7772400" cy="2849880"/>
           </a:xfrm>
         </p:spPr>
         <p:txBody>
@@ -2678,28 +2678,8 @@
           <a:lstStyle/>
           <a:p>
             <a:r>
-              <a:rPr lang="en-US" sz="2800" dirty="0" smtClean="0">
-                <a:solidFill>
-                  <a:schemeClr val="tx1">
-                    <a:lumMod val="75000"/>
-                    <a:lumOff val="25000"/>
-                  </a:schemeClr>
-                </a:solidFill>
-              </a:rPr>
-              <a:t>MCP-MGM Applications Team</a:t>
-            </a:r>
-          </a:p>
-          <a:p>
-            <a:r>
-              <a:rPr lang="en-US" sz="2800" dirty="0" smtClean="0">
-                <a:solidFill>
-                  <a:schemeClr val="tx1">
-                    <a:lumMod val="75000"/>
-                    <a:lumOff val="25000"/>
-                  </a:schemeClr>
-                </a:solidFill>
-              </a:rPr>
-              <a:t>January 2013</a:t>
+              <a:rPr lang="en-US" sz="2800" dirty="0" smtClean="0"/>
+              <a:t>Multicore Applications</a:t>
             </a:r>
             <a:endParaRPr lang="en-US" sz="2800" dirty="0">
               <a:solidFill>
@@ -3286,7 +3266,7 @@
             </a:pPr>
             <a:r>
               <a:rPr lang="en-US" dirty="0" smtClean="0"/>
-              <a:t>QMPY32 – 4-way SIMD of MYP32</a:t>
+              <a:t>QMPY32: 4-way SIMD of MYP32</a:t>
             </a:r>
           </a:p>
           <a:p>
@@ -3296,7 +3276,7 @@
             </a:pPr>
             <a:r>
               <a:rPr lang="en-US" dirty="0" smtClean="0"/>
-              <a:t>DDOTP4H – 2-way SIMD of DOTP4H</a:t>
+              <a:t>DDOTP4H: 2-way SIMD of DOTP4H</a:t>
             </a:r>
           </a:p>
           <a:p>
@@ -3306,7 +3286,7 @@
             </a:pPr>
             <a:r>
               <a:rPr lang="en-US" dirty="0" smtClean="0"/>
-              <a:t>DPACKL2 – SIMD version of PACKL2</a:t>
+              <a:t>DPACKL2: SIMD version of PACKL2</a:t>
             </a:r>
           </a:p>
           <a:p>
@@ -3316,7 +3296,7 @@
             </a:pPr>
             <a:r>
               <a:rPr lang="en-US" dirty="0" smtClean="0"/>
-              <a:t>DAVGU4 – Average of 8 packed unsigned bytes </a:t>
+              <a:t>DAVGU4: Average of 8 Packed Unsigned bytes </a:t>
             </a:r>
           </a:p>
           <a:p>
@@ -3332,7 +3312,7 @@
             </a:pPr>
             <a:r>
               <a:rPr lang="en-US" dirty="0" smtClean="0"/>
-              <a:t>MPYDP – Double Precision Multiplication</a:t>
+              <a:t>MPYDP: Double-Precision Multiplication</a:t>
             </a:r>
           </a:p>
           <a:p>
@@ -3342,7 +3322,7 @@
             </a:pPr>
             <a:r>
               <a:rPr lang="en-US" dirty="0" smtClean="0"/>
-              <a:t>FMPYDP – Fast Double Precision multiplication</a:t>
+              <a:t>FMPYDP: Fast Double-Precision Multiplication</a:t>
             </a:r>
           </a:p>
           <a:p>
@@ -3352,7 +3332,7 @@
             </a:pPr>
             <a:r>
               <a:rPr lang="en-US" dirty="0" smtClean="0"/>
-              <a:t>DINTSP – 2-Way SIMD Convert 32-bits Unsigned Integer to Single Precision Floating Point</a:t>
+              <a:t>DINTSP: 2-Way SIMD Convert 32-bits Unsigned Integer to Single-Precision Floating Point</a:t>
             </a:r>
             <a:endParaRPr lang="en-US" dirty="0"/>
           </a:p>
@@ -3441,7 +3421,7 @@
           <a:p>
             <a:r>
               <a:rPr lang="en-US" dirty="0" smtClean="0"/>
-              <a:t>MFENCE (Memory Fence) Stall instruction pipeline until memory system is done.</a:t>
+              <a:t>MFENCE (Memory Fence) stalls the instruction fetch pipeline until memory system is done.</a:t>
             </a:r>
           </a:p>
           <a:p>
@@ -3730,7 +3710,7 @@
             </a:pPr>
             <a:r>
               <a:rPr lang="en-US" sz="2400" dirty="0" smtClean="0"/>
-              <a:t>ADDDP – Add Two Double-Precision Floating-Point Values </a:t>
+              <a:t>ADDDP: Add Two Double-Precision Floating-Point Values </a:t>
             </a:r>
           </a:p>
           <a:p>
@@ -3742,7 +3722,7 @@
             </a:pPr>
             <a:r>
               <a:rPr lang="en-US" sz="2400" dirty="0" smtClean="0"/>
-              <a:t>DADD2 – 4-Way SIMD Addition, Packed Signed 16-bit</a:t>
+              <a:t>DADD2: 4-Way SIMD Addition, Packed Signed 16-bit</a:t>
             </a:r>
           </a:p>
           <a:p>
@@ -3754,7 +3734,7 @@
             </a:pPr>
             <a:r>
               <a:rPr lang="en-US" sz="2000" dirty="0" smtClean="0"/>
-              <a:t>Performs four additions of two sets of four 16-bit numbers packed into 64-bit registers.</a:t>
+              <a:t>This instruction performs four additions of two sets of four 16-bit numbers packed into 64-bit registers.</a:t>
             </a:r>
           </a:p>
           <a:p>
@@ -3766,7 +3746,7 @@
             </a:pPr>
             <a:r>
               <a:rPr lang="en-US" sz="2000" dirty="0" smtClean="0"/>
-              <a:t>The four results are rounded to four packed 16-bit values</a:t>
+              <a:t>The four results are rounded to four packed 16-bit values.</a:t>
             </a:r>
           </a:p>
           <a:p>
@@ -3794,7 +3774,7 @@
             </a:pPr>
             <a:r>
               <a:rPr lang="en-US" sz="2400" dirty="0" smtClean="0"/>
-              <a:t>FMPYDP - Fast Double-Precision Floating Point Multiply</a:t>
+              <a:t>FMPYDP: Fast Double-Precision Floating Point Multiply</a:t>
             </a:r>
           </a:p>
           <a:p>
@@ -3806,7 +3786,7 @@
             </a:pPr>
             <a:r>
               <a:rPr lang="en-US" sz="2400" dirty="0" smtClean="0"/>
-              <a:t>QMPY32 - 4-Way SIMD Multiply, Packed Signed 32-bit.</a:t>
+              <a:t>QMPY32: 4-Way SIMD Multiply, Packed Signed 32-bit</a:t>
             </a:r>
           </a:p>
           <a:p>
@@ -3818,7 +3798,7 @@
             </a:pPr>
             <a:r>
               <a:rPr lang="en-US" sz="2000" dirty="0" smtClean="0"/>
-              <a:t>Performs four multiplications of two sets of four 32-bit numbers packed into 128-bit registers.</a:t>
+              <a:t>This instruction performs four multiplications of two sets of four 32-bit numbers packed into 128-bit registers.</a:t>
             </a:r>
           </a:p>
           <a:p>
@@ -3985,12 +3965,18 @@
             </a:r>
             <a:r>
               <a:rPr lang="en-US" sz="2400" dirty="0" smtClean="0">
+                <a:latin typeface="+mj-lt"/>
+              </a:rPr>
+              <a:t>:</a:t>
+            </a:r>
+            <a:r>
+              <a:rPr lang="en-US" sz="2400" dirty="0" smtClean="0">
                 <a:solidFill>
                   <a:schemeClr val="tx1"/>
                 </a:solidFill>
                 <a:latin typeface="+mj-lt"/>
               </a:rPr>
-              <a:t> – 2x1 Complex </a:t>
+              <a:t> 2x1 Complex </a:t>
             </a:r>
             <a:r>
               <a:rPr lang="en-US" sz="2400" dirty="0" smtClean="0">
@@ -4042,7 +4028,7 @@
               <a:rPr lang="en-US" sz="2400" dirty="0" smtClean="0">
                 <a:latin typeface="+mj-lt"/>
               </a:rPr>
-              <a:t>Results in 2x1 signed complex vector.</a:t>
+              <a:t>This results in a 2x1 signed complex vector.</a:t>
             </a:r>
           </a:p>
           <a:p>
@@ -4056,7 +4042,7 @@
               <a:rPr lang="en-US" sz="2400" dirty="0" smtClean="0">
                 <a:latin typeface="+mj-lt"/>
               </a:rPr>
-              <a:t>All values are 16-bit (16-bit real/16-bit Imaginary)</a:t>
+              <a:t>All values are 16-bit (16-bit real/16-bit imaginary).</a:t>
             </a:r>
           </a:p>
           <a:p>
@@ -4336,7 +4322,7 @@
                 </a:solidFill>
                 <a:latin typeface="+mj-lt"/>
               </a:rPr>
-              <a:t>ore</a:t>
+              <a:t>ore:</a:t>
             </a:r>
           </a:p>
           <a:p>
@@ -4357,7 +4343,7 @@
                 </a:solidFill>
                 <a:latin typeface="+mj-lt"/>
               </a:rPr>
-              <a:t>wide (2 x 64 bit) and fast (0 wait state)</a:t>
+              <a:t>wide (2 x 64 bit) and fast (0 wait state).</a:t>
             </a:r>
           </a:p>
           <a:p>
@@ -4398,7 +4384,7 @@
                   <a:schemeClr val="tx1"/>
                 </a:solidFill>
               </a:rPr>
-              <a:t>How to get values in and out of the functional units</a:t>
+              <a:t>How to get values in and out of the functional units:</a:t>
             </a:r>
           </a:p>
           <a:p>
@@ -7737,7 +7723,7 @@
               <a:rPr lang="en-US" sz="2400" dirty="0" smtClean="0">
                 <a:latin typeface="+mj-lt"/>
               </a:rPr>
-              <a:t>Software pipeline supported by code generation tools</a:t>
+              <a:t>Software pipeline is supported by code generation tools.</a:t>
             </a:r>
           </a:p>
           <a:p>
@@ -7754,7 +7740,7 @@
                 </a:solidFill>
                 <a:latin typeface="+mj-lt"/>
               </a:rPr>
-              <a:t>SPLOOP supports software pipeline:</a:t>
+              <a:t>SPLOOP supports the software pipeline:</a:t>
             </a:r>
           </a:p>
           <a:p>
@@ -8195,30 +8181,13 @@
                 <a:ea typeface="+mn-ea"/>
                 <a:cs typeface="+mn-cs"/>
               </a:rPr>
-              <a:t> port from the </a:t>
-            </a:r>
-            <a:r>
-              <a:rPr kumimoji="0" lang="en-US" sz="2000" b="0" i="0" u="none" strike="noStrike" kern="0" cap="none" spc="0" normalizeH="0" noProof="0" dirty="0" err="1" smtClean="0">
-                <a:ln>
-                  <a:noFill/>
-                </a:ln>
-                <a:solidFill>
-                  <a:schemeClr val="tx1"/>
-                </a:solidFill>
-                <a:effectLst/>
-                <a:uLnTx/>
-                <a:uFillTx/>
-                <a:latin typeface="+mn-lt"/>
-                <a:ea typeface="+mn-ea"/>
-                <a:cs typeface="+mn-cs"/>
-              </a:rPr>
-              <a:t>Teranet</a:t>
+              <a:t> port from the TeraNet</a:t>
             </a:r>
             <a:r>
               <a:rPr lang="en-US" sz="2000" kern="0" dirty="0" smtClean="0">
                 <a:latin typeface="+mn-lt"/>
               </a:rPr>
-              <a:t> (switch central fabric)</a:t>
+              <a:t> (Switched Central Resource)</a:t>
             </a:r>
             <a:endParaRPr kumimoji="0" lang="en-US" sz="2000" b="0" i="0" u="none" strike="noStrike" kern="0" cap="none" spc="0" normalizeH="0" noProof="0" dirty="0" smtClean="0">
               <a:ln>
@@ -8293,7 +8262,7 @@
                 <a:ea typeface="+mn-ea"/>
                 <a:cs typeface="+mn-cs"/>
               </a:rPr>
-              <a:t>MSMC arbitrates between all cores and Teranet requests, MSM memory, and DDR(s)</a:t>
+              <a:t>MSMC arbitrates between all cores and TeraNet requests, MSM memory, and DDR(s)</a:t>
             </a:r>
           </a:p>
           <a:p>
@@ -8656,7 +8625,7 @@
           </a:bodyPr>
           <a:lstStyle/>
           <a:p>
-            <a:pPr eaLnBrk="1" fontAlgn="auto" hangingPunct="1">
+            <a:pPr marL="0" indent="0" eaLnBrk="1" fontAlgn="auto" hangingPunct="1">
               <a:spcAft>
                 <a:spcPts val="0"/>
               </a:spcAft>
@@ -8665,21 +8634,7 @@
             </a:pPr>
             <a:r>
               <a:rPr lang="en-US" sz="2000" dirty="0" smtClean="0"/>
-              <a:t>MPAX (Memory Protection and Extension) Registers: </a:t>
-            </a:r>
-          </a:p>
-          <a:p>
-            <a:pPr eaLnBrk="1" fontAlgn="auto" hangingPunct="1">
-              <a:spcAft>
-                <a:spcPts val="0"/>
-              </a:spcAft>
-              <a:buFont typeface="Arial" pitchFamily="34" charset="0"/>
-              <a:buChar char="•"/>
-              <a:defRPr/>
-            </a:pPr>
-            <a:r>
-              <a:rPr lang="en-US" sz="2000" dirty="0" smtClean="0"/>
-              <a:t>Translate between physical and logical address</a:t>
+              <a:t>MPAX (Memory Protection and Extension) registers translate between physical and logical addresses:</a:t>
             </a:r>
           </a:p>
           <a:p>
@@ -12115,7 +12070,7 @@
                       </a:r>
                       <a:r>
                         <a:rPr lang="en-US" baseline="0" dirty="0" smtClean="0"/>
-                        <a:t> calling the IDLE instruction, and then provide a mechanism (e.g., interrupt) for waking up </a:t>
+                        <a:t> calling the IDLE instruction and then providing a mechanism (e.g., interrupt) for waking up </a:t>
                       </a:r>
                     </a:p>
                     <a:p>
@@ -12883,7 +12838,7 @@
         <p:spPr>
           <a:xfrm>
             <a:off x="5459407" y="930806"/>
-            <a:ext cx="3527425" cy="5154613"/>
+            <a:ext cx="3527425" cy="5546194"/>
           </a:xfrm>
         </p:spPr>
         <p:txBody>
@@ -12897,6 +12852,7 @@
               <a:spcAft>
                 <a:spcPct val="10000"/>
               </a:spcAft>
+              <a:buSzPct val="100000"/>
             </a:pPr>
             <a:r>
               <a:rPr lang="en-US" sz="1600" dirty="0" smtClean="0"/>
@@ -35290,7 +35246,7 @@
               <a:buClr>
                 <a:schemeClr val="tx1"/>
               </a:buClr>
-              <a:buSzPct val="75000"/>
+              <a:buSzPct val="100000"/>
               <a:buFont typeface="Arial" pitchFamily="34" charset="0"/>
               <a:buChar char="•"/>
               <a:defRPr/>
@@ -35356,7 +35312,7 @@
               <a:buClr>
                 <a:schemeClr val="tx1"/>
               </a:buClr>
-              <a:buSzPct val="75000"/>
+              <a:buSzPct val="100000"/>
               <a:buFont typeface="Arial" pitchFamily="34" charset="0"/>
               <a:buChar char="•"/>
               <a:defRPr/>
@@ -35376,7 +35332,7 @@
               <a:buClr>
                 <a:schemeClr val="tx1"/>
               </a:buClr>
-              <a:buSzPct val="75000"/>
+              <a:buSzPct val="100000"/>
               <a:buFont typeface="Arial" pitchFamily="34" charset="0"/>
               <a:buChar char="•"/>
               <a:defRPr/>
@@ -35396,7 +35352,7 @@
               <a:buClr>
                 <a:schemeClr val="tx1"/>
               </a:buClr>
-              <a:buSzPct val="75000"/>
+              <a:buSzPct val="100000"/>
               <a:buFont typeface="Arial" pitchFamily="34" charset="0"/>
               <a:buChar char="•"/>
               <a:defRPr/>
@@ -38099,7 +38055,7 @@
             <a:pPr lvl="1"/>
             <a:r>
               <a:rPr lang="en-US" sz="2000" dirty="0" smtClean="0"/>
-              <a:t>8 functional units, M, L, S, D </a:t>
+              <a:t>8 functional units: M, L, S, D </a:t>
             </a:r>
           </a:p>
           <a:p>
@@ -38140,7 +38096,7 @@
             </a:br>
             <a:r>
               <a:rPr lang="en-US" sz="2000" dirty="0" smtClean="0"/>
-              <a:t>(16 bit), and mix instruction modes </a:t>
+              <a:t>(16 bit), and mixed instruction modes </a:t>
             </a:r>
             <a:endParaRPr lang="en-US" sz="2800" dirty="0"/>
           </a:p>
@@ -38814,40 +38770,6 @@
       </p:sp>
       <p:sp>
         <p:nvSpPr>
-          <p:cNvPr id="5139" name="Line 36"/>
-          <p:cNvSpPr>
-            <a:spLocks noChangeShapeType="1"/>
-          </p:cNvSpPr>
-          <p:nvPr/>
-        </p:nvSpPr>
-        <p:spPr bwMode="auto">
-          <a:xfrm flipH="1" flipV="1">
-            <a:off x="2286000" y="2209800"/>
-            <a:ext cx="2590800" cy="1524000"/>
-          </a:xfrm>
-          <a:prstGeom prst="line">
-            <a:avLst/>
-          </a:prstGeom>
-          <a:noFill/>
-          <a:ln w="38100">
-            <a:solidFill>
-              <a:schemeClr val="tx1"/>
-            </a:solidFill>
-            <a:round/>
-            <a:headEnd type="triangle" w="med" len="med"/>
-            <a:tailEnd/>
-          </a:ln>
-        </p:spPr>
-        <p:txBody>
-          <a:bodyPr wrap="none" anchor="ctr"/>
-          <a:lstStyle/>
-          <a:p>
-            <a:endParaRPr lang="en-US" dirty="0"/>
-          </a:p>
-        </p:txBody>
-      </p:sp>
-      <p:sp>
-        <p:nvSpPr>
           <p:cNvPr id="90150" name="Line 38"/>
           <p:cNvSpPr>
             <a:spLocks noChangeShapeType="1"/>
@@ -39475,40 +39397,6 @@
             <a:round/>
             <a:headEnd type="none" w="sm" len="sm"/>
             <a:tailEnd type="none" w="sm" len="sm"/>
-          </a:ln>
-        </p:spPr>
-        <p:txBody>
-          <a:bodyPr wrap="none" anchor="ctr"/>
-          <a:lstStyle/>
-          <a:p>
-            <a:endParaRPr lang="en-US" dirty="0"/>
-          </a:p>
-        </p:txBody>
-      </p:sp>
-      <p:sp>
-        <p:nvSpPr>
-          <p:cNvPr id="5156" name="PPTShape_1"/>
-          <p:cNvSpPr>
-            <a:spLocks noChangeShapeType="1"/>
-          </p:cNvSpPr>
-          <p:nvPr/>
-        </p:nvSpPr>
-        <p:spPr bwMode="auto">
-          <a:xfrm flipV="1">
-            <a:off x="4114800" y="2286000"/>
-            <a:ext cx="2667000" cy="1447800"/>
-          </a:xfrm>
-          <a:prstGeom prst="line">
-            <a:avLst/>
-          </a:prstGeom>
-          <a:noFill/>
-          <a:ln w="38100">
-            <a:solidFill>
-              <a:schemeClr val="tx1"/>
-            </a:solidFill>
-            <a:round/>
-            <a:headEnd type="triangle" w="med" len="med"/>
-            <a:tailEnd/>
           </a:ln>
         </p:spPr>
         <p:txBody>
@@ -40526,7 +40414,7 @@
           <a:noFill/>
           <a:ln w="38100">
             <a:solidFill>
-              <a:schemeClr val="tx1"/>
+              <a:srgbClr val="0070C0"/>
             </a:solidFill>
             <a:round/>
             <a:headEnd type="triangle" w="med" len="med"/>
@@ -40560,7 +40448,7 @@
           <a:noFill/>
           <a:ln w="38100">
             <a:solidFill>
-              <a:schemeClr val="tx1"/>
+              <a:srgbClr val="C00000"/>
             </a:solidFill>
             <a:round/>
             <a:headEnd type="triangle" w="med" len="med"/>
@@ -40594,7 +40482,7 @@
           <a:noFill/>
           <a:ln w="38100">
             <a:solidFill>
-              <a:schemeClr val="tx1"/>
+              <a:srgbClr val="C00000"/>
             </a:solidFill>
             <a:round/>
             <a:headEnd type="triangle" w="med" len="med"/>
@@ -40628,7 +40516,7 @@
           <a:noFill/>
           <a:ln w="38100">
             <a:solidFill>
-              <a:schemeClr val="tx1"/>
+              <a:srgbClr val="0070C0"/>
             </a:solidFill>
             <a:round/>
             <a:headEnd type="none" w="med" len="med"/>
@@ -40645,7 +40533,7 @@
       </p:sp>
       <p:sp>
         <p:nvSpPr>
-          <p:cNvPr id="148" name="PPTShape_6"/>
+          <p:cNvPr id="54" name="PPTShape_6"/>
           <p:cNvSpPr>
             <a:spLocks noChangeShapeType="1"/>
           </p:cNvSpPr>
@@ -40662,7 +40550,7 @@
           <a:noFill/>
           <a:ln w="38100">
             <a:solidFill>
-              <a:schemeClr val="tx1"/>
+              <a:srgbClr val="0070C0"/>
             </a:solidFill>
             <a:round/>
             <a:headEnd type="triangle" w="med" len="med"/>
@@ -40679,7 +40567,7 @@
       </p:sp>
       <p:sp>
         <p:nvSpPr>
-          <p:cNvPr id="149" name="PPTShape_7"/>
+          <p:cNvPr id="55" name="PPTShape_7"/>
           <p:cNvSpPr>
             <a:spLocks noChangeShapeType="1"/>
           </p:cNvSpPr>
@@ -40696,7 +40584,7 @@
           <a:noFill/>
           <a:ln w="38100">
             <a:solidFill>
-              <a:schemeClr val="tx1"/>
+              <a:srgbClr val="C00000"/>
             </a:solidFill>
             <a:round/>
             <a:headEnd type="triangle" w="med" len="med"/>
@@ -40732,6 +40620,9 @@
                     <p:cTn id="3" fill="hold">
                       <p:stCondLst>
                         <p:cond delay="indefinite"/>
+                        <p:cond evt="onBegin" delay="0">
+                          <p:tn val="2"/>
+                        </p:cond>
                       </p:stCondLst>
                       <p:childTnLst>
                         <p:par>
@@ -40741,7 +40632,7 @@
                             </p:stCondLst>
                             <p:childTnLst>
                               <p:par>
-                                <p:cTn id="5" presetID="22" presetClass="entr" presetSubtype="1" fill="hold" grpId="0" nodeType="clickEffect">
+                                <p:cTn id="5" presetID="22" presetClass="entr" presetSubtype="1" fill="hold" grpId="0" nodeType="withEffect">
                                   <p:stCondLst>
                                     <p:cond delay="0"/>
                                   </p:stCondLst>
@@ -40754,7 +40645,7 @@
                                           </p:stCondLst>
                                         </p:cTn>
                                         <p:tgtEl>
-                                          <p:spTgt spid="5156"/>
+                                          <p:spTgt spid="54"/>
                                         </p:tgtEl>
                                         <p:attrNameLst>
                                           <p:attrName>style.visibility</p:attrName>
@@ -40768,7 +40659,7 @@
                                       <p:cBhvr>
                                         <p:cTn id="7" dur="1000"/>
                                         <p:tgtEl>
-                                          <p:spTgt spid="5156"/>
+                                          <p:spTgt spid="54"/>
                                         </p:tgtEl>
                                       </p:cBhvr>
                                     </p:animEffect>
@@ -40778,224 +40669,21 @@
                             </p:childTnLst>
                           </p:cTn>
                         </p:par>
-                      </p:childTnLst>
-                    </p:cTn>
-                  </p:par>
-                  <p:par>
-                    <p:cTn id="8" fill="hold">
-                      <p:stCondLst>
-                        <p:cond delay="indefinite"/>
-                      </p:stCondLst>
-                      <p:childTnLst>
                         <p:par>
-                          <p:cTn id="9" fill="hold">
+                          <p:cTn id="8" fill="hold">
                             <p:stCondLst>
-                              <p:cond delay="0"/>
+                              <p:cond delay="1000"/>
                             </p:stCondLst>
                             <p:childTnLst>
                               <p:par>
-                                <p:cTn id="10" presetID="22" presetClass="entr" presetSubtype="1" fill="hold" grpId="0" nodeType="clickEffect">
+                                <p:cTn id="9" presetID="22" presetClass="entr" presetSubtype="1" fill="hold" grpId="0" nodeType="afterEffect">
                                   <p:stCondLst>
                                     <p:cond delay="0"/>
                                   </p:stCondLst>
                                   <p:childTnLst>
                                     <p:set>
                                       <p:cBhvr>
-                                        <p:cTn id="11" dur="1" fill="hold">
-                                          <p:stCondLst>
-                                            <p:cond delay="0"/>
-                                          </p:stCondLst>
-                                        </p:cTn>
-                                        <p:tgtEl>
-                                          <p:spTgt spid="5139"/>
-                                        </p:tgtEl>
-                                        <p:attrNameLst>
-                                          <p:attrName>style.visibility</p:attrName>
-                                        </p:attrNameLst>
-                                      </p:cBhvr>
-                                      <p:to>
-                                        <p:strVal val="visible"/>
-                                      </p:to>
-                                    </p:set>
-                                    <p:animEffect transition="in" filter="wipe(up)">
-                                      <p:cBhvr>
-                                        <p:cTn id="12" dur="1000"/>
-                                        <p:tgtEl>
-                                          <p:spTgt spid="5139"/>
-                                        </p:tgtEl>
-                                      </p:cBhvr>
-                                    </p:animEffect>
-                                  </p:childTnLst>
-                                </p:cTn>
-                              </p:par>
-                            </p:childTnLst>
-                          </p:cTn>
-                        </p:par>
-                      </p:childTnLst>
-                    </p:cTn>
-                  </p:par>
-                  <p:par>
-                    <p:cTn id="13" fill="hold">
-                      <p:stCondLst>
-                        <p:cond delay="indefinite"/>
-                      </p:stCondLst>
-                      <p:childTnLst>
-                        <p:par>
-                          <p:cTn id="14" fill="hold">
-                            <p:stCondLst>
-                              <p:cond delay="0"/>
-                            </p:stCondLst>
-                            <p:childTnLst>
-                              <p:par>
-                                <p:cTn id="15" presetID="10" presetClass="exit" presetSubtype="0" fill="hold" grpId="1" nodeType="clickEffect">
-                                  <p:stCondLst>
-                                    <p:cond delay="0"/>
-                                  </p:stCondLst>
-                                  <p:childTnLst>
-                                    <p:animEffect transition="out" filter="fade">
-                                      <p:cBhvr>
-                                        <p:cTn id="16" dur="1000"/>
-                                        <p:tgtEl>
-                                          <p:spTgt spid="5156"/>
-                                        </p:tgtEl>
-                                      </p:cBhvr>
-                                    </p:animEffect>
-                                    <p:set>
-                                      <p:cBhvr>
-                                        <p:cTn id="17" dur="1" fill="hold">
-                                          <p:stCondLst>
-                                            <p:cond delay="999"/>
-                                          </p:stCondLst>
-                                        </p:cTn>
-                                        <p:tgtEl>
-                                          <p:spTgt spid="5156"/>
-                                        </p:tgtEl>
-                                        <p:attrNameLst>
-                                          <p:attrName>style.visibility</p:attrName>
-                                        </p:attrNameLst>
-                                      </p:cBhvr>
-                                      <p:to>
-                                        <p:strVal val="hidden"/>
-                                      </p:to>
-                                    </p:set>
-                                  </p:childTnLst>
-                                </p:cTn>
-                              </p:par>
-                              <p:par>
-                                <p:cTn id="18" presetID="10" presetClass="exit" presetSubtype="0" fill="hold" grpId="1" nodeType="withEffect">
-                                  <p:stCondLst>
-                                    <p:cond delay="0"/>
-                                  </p:stCondLst>
-                                  <p:childTnLst>
-                                    <p:animEffect transition="out" filter="fade">
-                                      <p:cBhvr>
-                                        <p:cTn id="19" dur="1000"/>
-                                        <p:tgtEl>
-                                          <p:spTgt spid="5139"/>
-                                        </p:tgtEl>
-                                      </p:cBhvr>
-                                    </p:animEffect>
-                                    <p:set>
-                                      <p:cBhvr>
-                                        <p:cTn id="20" dur="1" fill="hold">
-                                          <p:stCondLst>
-                                            <p:cond delay="999"/>
-                                          </p:stCondLst>
-                                        </p:cTn>
-                                        <p:tgtEl>
-                                          <p:spTgt spid="5139"/>
-                                        </p:tgtEl>
-                                        <p:attrNameLst>
-                                          <p:attrName>style.visibility</p:attrName>
-                                        </p:attrNameLst>
-                                      </p:cBhvr>
-                                      <p:to>
-                                        <p:strVal val="hidden"/>
-                                      </p:to>
-                                    </p:set>
-                                  </p:childTnLst>
-                                </p:cTn>
-                              </p:par>
-                            </p:childTnLst>
-                          </p:cTn>
-                        </p:par>
-                      </p:childTnLst>
-                    </p:cTn>
-                  </p:par>
-                  <p:par>
-                    <p:cTn id="21" fill="hold">
-                      <p:stCondLst>
-                        <p:cond delay="indefinite"/>
-                      </p:stCondLst>
-                      <p:childTnLst>
-                        <p:par>
-                          <p:cTn id="22" fill="hold">
-                            <p:stCondLst>
-                              <p:cond delay="0"/>
-                            </p:stCondLst>
-                            <p:childTnLst>
-                              <p:par>
-                                <p:cTn id="23" presetID="22" presetClass="entr" presetSubtype="1" fill="hold" grpId="0" nodeType="clickEffect">
-                                  <p:stCondLst>
-                                    <p:cond delay="0"/>
-                                  </p:stCondLst>
-                                  <p:childTnLst>
-                                    <p:set>
-                                      <p:cBhvr>
-                                        <p:cTn id="24" dur="1" fill="hold">
-                                          <p:stCondLst>
-                                            <p:cond delay="0"/>
-                                          </p:stCondLst>
-                                        </p:cTn>
-                                        <p:tgtEl>
-                                          <p:spTgt spid="148"/>
-                                        </p:tgtEl>
-                                        <p:attrNameLst>
-                                          <p:attrName>style.visibility</p:attrName>
-                                        </p:attrNameLst>
-                                      </p:cBhvr>
-                                      <p:to>
-                                        <p:strVal val="visible"/>
-                                      </p:to>
-                                    </p:set>
-                                    <p:animEffect transition="in" filter="wipe(up)">
-                                      <p:cBhvr>
-                                        <p:cTn id="25" dur="1000"/>
-                                        <p:tgtEl>
-                                          <p:spTgt spid="148"/>
-                                        </p:tgtEl>
-                                      </p:cBhvr>
-                                    </p:animEffect>
-                                  </p:childTnLst>
-                                </p:cTn>
-                              </p:par>
-                            </p:childTnLst>
-                          </p:cTn>
-                        </p:par>
-                      </p:childTnLst>
-                    </p:cTn>
-                  </p:par>
-                  <p:par>
-                    <p:cTn id="26" fill="hold">
-                      <p:stCondLst>
-                        <p:cond delay="indefinite"/>
-                      </p:stCondLst>
-                      <p:childTnLst>
-                        <p:par>
-                          <p:cTn id="27" fill="hold">
-                            <p:stCondLst>
-                              <p:cond delay="0"/>
-                            </p:stCondLst>
-                            <p:childTnLst>
-                              <p:par>
-                                <p:cTn id="28" presetID="22" presetClass="entr" presetSubtype="1" fill="hold" grpId="0" nodeType="clickEffect">
-                                  <p:stCondLst>
-                                    <p:cond delay="0"/>
-                                  </p:stCondLst>
-                                  <p:childTnLst>
-                                    <p:set>
-                                      <p:cBhvr>
-                                        <p:cTn id="29" dur="1" fill="hold">
+                                        <p:cTn id="10" dur="1" fill="hold">
                                           <p:stCondLst>
                                             <p:cond delay="0"/>
                                           </p:stCondLst>
@@ -41013,7 +40701,7 @@
                                     </p:set>
                                     <p:animEffect transition="in" filter="wipe(up)">
                                       <p:cBhvr>
-                                        <p:cTn id="30" dur="1000"/>
+                                        <p:cTn id="11" dur="1000"/>
                                         <p:tgtEl>
                                           <p:spTgt spid="48"/>
                                         </p:tgtEl>
@@ -41025,30 +40713,21 @@
                             </p:childTnLst>
                           </p:cTn>
                         </p:par>
-                      </p:childTnLst>
-                    </p:cTn>
-                  </p:par>
-                  <p:par>
-                    <p:cTn id="31" fill="hold">
-                      <p:stCondLst>
-                        <p:cond delay="indefinite"/>
-                      </p:stCondLst>
-                      <p:childTnLst>
                         <p:par>
-                          <p:cTn id="32" fill="hold">
+                          <p:cTn id="12" fill="hold">
                             <p:stCondLst>
-                              <p:cond delay="0"/>
+                              <p:cond delay="2000"/>
                             </p:stCondLst>
                             <p:childTnLst>
                               <p:par>
-                                <p:cTn id="33" presetID="22" presetClass="entr" presetSubtype="2" fill="hold" grpId="0" nodeType="clickEffect">
+                                <p:cTn id="13" presetID="22" presetClass="entr" presetSubtype="2" fill="hold" grpId="0" nodeType="afterEffect">
                                   <p:stCondLst>
                                     <p:cond delay="0"/>
                                   </p:stCondLst>
                                   <p:childTnLst>
                                     <p:set>
                                       <p:cBhvr>
-                                        <p:cTn id="34" dur="1" fill="hold">
+                                        <p:cTn id="14" dur="1" fill="hold">
                                           <p:stCondLst>
                                             <p:cond delay="0"/>
                                           </p:stCondLst>
@@ -41066,7 +40745,7 @@
                                     </p:set>
                                     <p:animEffect transition="in" filter="wipe(right)">
                                       <p:cBhvr>
-                                        <p:cTn id="35" dur="1000"/>
+                                        <p:cTn id="15" dur="1000"/>
                                         <p:tgtEl>
                                           <p:spTgt spid="51"/>
                                         </p:tgtEl>
@@ -41078,36 +40757,27 @@
                             </p:childTnLst>
                           </p:cTn>
                         </p:par>
-                      </p:childTnLst>
-                    </p:cTn>
-                  </p:par>
-                  <p:par>
-                    <p:cTn id="36" fill="hold">
-                      <p:stCondLst>
-                        <p:cond delay="indefinite"/>
-                      </p:stCondLst>
-                      <p:childTnLst>
                         <p:par>
-                          <p:cTn id="37" fill="hold">
+                          <p:cTn id="16" fill="hold">
                             <p:stCondLst>
-                              <p:cond delay="0"/>
+                              <p:cond delay="3000"/>
                             </p:stCondLst>
                             <p:childTnLst>
                               <p:par>
-                                <p:cTn id="38" presetID="22" presetClass="entr" presetSubtype="1" fill="hold" grpId="0" nodeType="clickEffect">
+                                <p:cTn id="17" presetID="22" presetClass="entr" presetSubtype="1" fill="hold" grpId="0" nodeType="afterEffect">
                                   <p:stCondLst>
                                     <p:cond delay="0"/>
                                   </p:stCondLst>
                                   <p:childTnLst>
                                     <p:set>
                                       <p:cBhvr>
-                                        <p:cTn id="39" dur="1" fill="hold">
+                                        <p:cTn id="18" dur="1" fill="hold">
                                           <p:stCondLst>
                                             <p:cond delay="0"/>
                                           </p:stCondLst>
                                         </p:cTn>
                                         <p:tgtEl>
-                                          <p:spTgt spid="149"/>
+                                          <p:spTgt spid="55"/>
                                         </p:tgtEl>
                                         <p:attrNameLst>
                                           <p:attrName>style.visibility</p:attrName>
@@ -41119,9 +40789,9 @@
                                     </p:set>
                                     <p:animEffect transition="in" filter="wipe(up)">
                                       <p:cBhvr>
-                                        <p:cTn id="40" dur="1000"/>
+                                        <p:cTn id="19" dur="1000"/>
                                         <p:tgtEl>
-                                          <p:spTgt spid="149"/>
+                                          <p:spTgt spid="55"/>
                                         </p:tgtEl>
                                       </p:cBhvr>
                                     </p:animEffect>
@@ -41131,30 +40801,21 @@
                             </p:childTnLst>
                           </p:cTn>
                         </p:par>
-                      </p:childTnLst>
-                    </p:cTn>
-                  </p:par>
-                  <p:par>
-                    <p:cTn id="41" fill="hold">
-                      <p:stCondLst>
-                        <p:cond delay="indefinite"/>
-                      </p:stCondLst>
-                      <p:childTnLst>
                         <p:par>
-                          <p:cTn id="42" fill="hold">
+                          <p:cTn id="20" fill="hold">
                             <p:stCondLst>
-                              <p:cond delay="0"/>
+                              <p:cond delay="4000"/>
                             </p:stCondLst>
                             <p:childTnLst>
                               <p:par>
-                                <p:cTn id="43" presetID="22" presetClass="entr" presetSubtype="1" fill="hold" grpId="0" nodeType="clickEffect">
+                                <p:cTn id="21" presetID="22" presetClass="entr" presetSubtype="1" fill="hold" grpId="0" nodeType="afterEffect">
                                   <p:stCondLst>
                                     <p:cond delay="0"/>
                                   </p:stCondLst>
                                   <p:childTnLst>
                                     <p:set>
                                       <p:cBhvr>
-                                        <p:cTn id="44" dur="1" fill="hold">
+                                        <p:cTn id="22" dur="1" fill="hold">
                                           <p:stCondLst>
                                             <p:cond delay="0"/>
                                           </p:stCondLst>
@@ -41172,7 +40833,7 @@
                                     </p:set>
                                     <p:animEffect transition="in" filter="wipe(up)">
                                       <p:cBhvr>
-                                        <p:cTn id="45" dur="1000"/>
+                                        <p:cTn id="23" dur="1000"/>
                                         <p:tgtEl>
                                           <p:spTgt spid="49"/>
                                         </p:tgtEl>
@@ -41184,30 +40845,21 @@
                             </p:childTnLst>
                           </p:cTn>
                         </p:par>
-                      </p:childTnLst>
-                    </p:cTn>
-                  </p:par>
-                  <p:par>
-                    <p:cTn id="46" fill="hold">
-                      <p:stCondLst>
-                        <p:cond delay="indefinite"/>
-                      </p:stCondLst>
-                      <p:childTnLst>
                         <p:par>
-                          <p:cTn id="47" fill="hold">
+                          <p:cTn id="24" fill="hold">
                             <p:stCondLst>
-                              <p:cond delay="0"/>
+                              <p:cond delay="5000"/>
                             </p:stCondLst>
                             <p:childTnLst>
                               <p:par>
-                                <p:cTn id="48" presetID="22" presetClass="entr" presetSubtype="8" fill="hold" grpId="0" nodeType="clickEffect">
+                                <p:cTn id="25" presetID="22" presetClass="entr" presetSubtype="8" fill="hold" grpId="0" nodeType="afterEffect">
                                   <p:stCondLst>
                                     <p:cond delay="0"/>
                                   </p:stCondLst>
                                   <p:childTnLst>
                                     <p:set>
                                       <p:cBhvr>
-                                        <p:cTn id="49" dur="1" fill="hold">
+                                        <p:cTn id="26" dur="1" fill="hold">
                                           <p:stCondLst>
                                             <p:cond delay="0"/>
                                           </p:stCondLst>
@@ -41225,7 +40877,7 @@
                                     </p:set>
                                     <p:animEffect transition="in" filter="wipe(left)">
                                       <p:cBhvr>
-                                        <p:cTn id="50" dur="1000"/>
+                                        <p:cTn id="27" dur="1000"/>
                                         <p:tgtEl>
                                           <p:spTgt spid="50"/>
                                         </p:tgtEl>
@@ -41262,16 +40914,12 @@
       </p:par>
     </p:tnLst>
     <p:bldLst>
-      <p:bldP spid="5139" grpId="0" animBg="1"/>
-      <p:bldP spid="5139" grpId="1" animBg="1"/>
-      <p:bldP spid="5156" grpId="0" animBg="1"/>
-      <p:bldP spid="5156" grpId="1" animBg="1"/>
       <p:bldP spid="48" grpId="0" animBg="1"/>
       <p:bldP spid="49" grpId="0" animBg="1"/>
       <p:bldP spid="50" grpId="0" animBg="1"/>
       <p:bldP spid="51" grpId="0" animBg="1"/>
-      <p:bldP spid="148" grpId="0" animBg="1"/>
-      <p:bldP spid="149" grpId="0" animBg="1"/>
+      <p:bldP spid="54" grpId="0" animBg="1"/>
+      <p:bldP spid="55" grpId="0" animBg="1"/>
     </p:bldLst>
   </p:timing>
 </p:sld>
